--- a/ppt 16-9/0470.复兴在今天.pptx
+++ b/ppt 16-9/0470.复兴在今天.pptx
@@ -5,7 +5,7 @@
     <p:sldMasterId id="2147483648" r:id="rId1"/>
   </p:sldMasterIdLst>
   <p:sldIdLst>
-    <p:sldId id="2970" r:id="rId2"/>
+    <p:sldId id="2972" r:id="rId2"/>
   </p:sldIdLst>
   <p:sldSz cx="12192000" cy="6858000"/>
   <p:notesSz cx="6858000" cy="9144000"/>
@@ -129,7 +129,7 @@
           <p:cNvPr id="2" name="标题 1">
             <a:extLst>
               <a:ext uri="{FF2B5EF4-FFF2-40B4-BE49-F238E27FC236}">
-                <a16:creationId xmlns:a16="http://schemas.microsoft.com/office/drawing/2014/main" id="{A630D6EA-80D9-87D2-1645-F7F575AD253A}"/>
+                <a16:creationId xmlns:a16="http://schemas.microsoft.com/office/drawing/2014/main" id="{B83793A9-5778-1772-B029-51361AD75B89}"/>
               </a:ext>
             </a:extLst>
           </p:cNvPr>
@@ -166,7 +166,7 @@
           <p:cNvPr id="3" name="副标题 2">
             <a:extLst>
               <a:ext uri="{FF2B5EF4-FFF2-40B4-BE49-F238E27FC236}">
-                <a16:creationId xmlns:a16="http://schemas.microsoft.com/office/drawing/2014/main" id="{418BF597-91CE-C5C5-4BA6-43FE4F17B1F2}"/>
+                <a16:creationId xmlns:a16="http://schemas.microsoft.com/office/drawing/2014/main" id="{031E040E-1233-AF0D-DBA8-DAF9E586BE87}"/>
               </a:ext>
             </a:extLst>
           </p:cNvPr>
@@ -236,7 +236,7 @@
           <p:cNvPr id="4" name="日期占位符 3">
             <a:extLst>
               <a:ext uri="{FF2B5EF4-FFF2-40B4-BE49-F238E27FC236}">
-                <a16:creationId xmlns:a16="http://schemas.microsoft.com/office/drawing/2014/main" id="{151C36F3-54D4-9F32-6019-F1601B3C768A}"/>
+                <a16:creationId xmlns:a16="http://schemas.microsoft.com/office/drawing/2014/main" id="{95F92091-E607-49A2-0C41-7402C4995ED8}"/>
               </a:ext>
             </a:extLst>
           </p:cNvPr>
@@ -252,7 +252,7 @@
           <a:bodyPr/>
           <a:lstStyle/>
           <a:p>
-            <a:fld id="{07605F1F-9AE6-454E-B65A-E290EEC7956F}" type="datetimeFigureOut">
+            <a:fld id="{6762EEBB-8AF0-40AE-B142-358F3A6C2C30}" type="datetimeFigureOut">
               <a:rPr lang="zh-CN" altLang="en-US" smtClean="0"/>
               <a:t>2024/3/10</a:t>
             </a:fld>
@@ -265,7 +265,7 @@
           <p:cNvPr id="5" name="页脚占位符 4">
             <a:extLst>
               <a:ext uri="{FF2B5EF4-FFF2-40B4-BE49-F238E27FC236}">
-                <a16:creationId xmlns:a16="http://schemas.microsoft.com/office/drawing/2014/main" id="{0114B89C-0988-1650-712B-4D88237507BB}"/>
+                <a16:creationId xmlns:a16="http://schemas.microsoft.com/office/drawing/2014/main" id="{6138EBBE-EBD0-1E6F-DC04-FB582CE7FA61}"/>
               </a:ext>
             </a:extLst>
           </p:cNvPr>
@@ -290,7 +290,7 @@
           <p:cNvPr id="6" name="灯片编号占位符 5">
             <a:extLst>
               <a:ext uri="{FF2B5EF4-FFF2-40B4-BE49-F238E27FC236}">
-                <a16:creationId xmlns:a16="http://schemas.microsoft.com/office/drawing/2014/main" id="{BAE3DCF4-605B-0649-FE81-D4806CCFC274}"/>
+                <a16:creationId xmlns:a16="http://schemas.microsoft.com/office/drawing/2014/main" id="{B3AE23AB-640D-1242-2C4A-579B801379BA}"/>
               </a:ext>
             </a:extLst>
           </p:cNvPr>
@@ -306,7 +306,7 @@
           <a:bodyPr/>
           <a:lstStyle/>
           <a:p>
-            <a:fld id="{768DD6D7-99C5-4906-A1C2-58A55E2D6B9D}" type="slidenum">
+            <a:fld id="{67E56A48-8FEF-47CF-84BD-E79F4E33CF1E}" type="slidenum">
               <a:rPr lang="zh-CN" altLang="en-US" smtClean="0"/>
               <a:t>‹#›</a:t>
             </a:fld>
@@ -317,7 +317,7 @@
     </p:spTree>
     <p:extLst>
       <p:ext uri="{BB962C8B-B14F-4D97-AF65-F5344CB8AC3E}">
-        <p14:creationId xmlns:p14="http://schemas.microsoft.com/office/powerpoint/2010/main" val="1863547322"/>
+        <p14:creationId xmlns:p14="http://schemas.microsoft.com/office/powerpoint/2010/main" val="3412721652"/>
       </p:ext>
     </p:extLst>
   </p:cSld>
@@ -349,7 +349,7 @@
           <p:cNvPr id="2" name="标题 1">
             <a:extLst>
               <a:ext uri="{FF2B5EF4-FFF2-40B4-BE49-F238E27FC236}">
-                <a16:creationId xmlns:a16="http://schemas.microsoft.com/office/drawing/2014/main" id="{6DC1AC45-9413-1BAD-FD5E-AF1431C67F95}"/>
+                <a16:creationId xmlns:a16="http://schemas.microsoft.com/office/drawing/2014/main" id="{5402CA26-D59D-0F2D-ECC9-5B6BC1187089}"/>
               </a:ext>
             </a:extLst>
           </p:cNvPr>
@@ -377,7 +377,7 @@
           <p:cNvPr id="3" name="竖排文字占位符 2">
             <a:extLst>
               <a:ext uri="{FF2B5EF4-FFF2-40B4-BE49-F238E27FC236}">
-                <a16:creationId xmlns:a16="http://schemas.microsoft.com/office/drawing/2014/main" id="{9BA1D700-42E6-572A-BF15-FC5F8BC580C5}"/>
+                <a16:creationId xmlns:a16="http://schemas.microsoft.com/office/drawing/2014/main" id="{CB3612A7-7616-869F-7F79-9D9408EC3514}"/>
               </a:ext>
             </a:extLst>
           </p:cNvPr>
@@ -434,7 +434,7 @@
           <p:cNvPr id="4" name="日期占位符 3">
             <a:extLst>
               <a:ext uri="{FF2B5EF4-FFF2-40B4-BE49-F238E27FC236}">
-                <a16:creationId xmlns:a16="http://schemas.microsoft.com/office/drawing/2014/main" id="{E70D2998-149E-BCC2-89E4-4F81711BDDDE}"/>
+                <a16:creationId xmlns:a16="http://schemas.microsoft.com/office/drawing/2014/main" id="{09106E3F-AD59-7DFA-6E5C-2C22F16C4D79}"/>
               </a:ext>
             </a:extLst>
           </p:cNvPr>
@@ -450,7 +450,7 @@
           <a:bodyPr/>
           <a:lstStyle/>
           <a:p>
-            <a:fld id="{07605F1F-9AE6-454E-B65A-E290EEC7956F}" type="datetimeFigureOut">
+            <a:fld id="{6762EEBB-8AF0-40AE-B142-358F3A6C2C30}" type="datetimeFigureOut">
               <a:rPr lang="zh-CN" altLang="en-US" smtClean="0"/>
               <a:t>2024/3/10</a:t>
             </a:fld>
@@ -463,7 +463,7 @@
           <p:cNvPr id="5" name="页脚占位符 4">
             <a:extLst>
               <a:ext uri="{FF2B5EF4-FFF2-40B4-BE49-F238E27FC236}">
-                <a16:creationId xmlns:a16="http://schemas.microsoft.com/office/drawing/2014/main" id="{8D38E15F-B192-14CD-CE98-67E3A16CB462}"/>
+                <a16:creationId xmlns:a16="http://schemas.microsoft.com/office/drawing/2014/main" id="{31293E78-8A4D-3074-13D7-54AE42DDDC27}"/>
               </a:ext>
             </a:extLst>
           </p:cNvPr>
@@ -488,7 +488,7 @@
           <p:cNvPr id="6" name="灯片编号占位符 5">
             <a:extLst>
               <a:ext uri="{FF2B5EF4-FFF2-40B4-BE49-F238E27FC236}">
-                <a16:creationId xmlns:a16="http://schemas.microsoft.com/office/drawing/2014/main" id="{8A641446-E8C7-FE86-29E4-A7692A2A5901}"/>
+                <a16:creationId xmlns:a16="http://schemas.microsoft.com/office/drawing/2014/main" id="{14457C53-7321-F318-F42C-19DD0B67B60B}"/>
               </a:ext>
             </a:extLst>
           </p:cNvPr>
@@ -504,7 +504,7 @@
           <a:bodyPr/>
           <a:lstStyle/>
           <a:p>
-            <a:fld id="{768DD6D7-99C5-4906-A1C2-58A55E2D6B9D}" type="slidenum">
+            <a:fld id="{67E56A48-8FEF-47CF-84BD-E79F4E33CF1E}" type="slidenum">
               <a:rPr lang="zh-CN" altLang="en-US" smtClean="0"/>
               <a:t>‹#›</a:t>
             </a:fld>
@@ -515,7 +515,7 @@
     </p:spTree>
     <p:extLst>
       <p:ext uri="{BB962C8B-B14F-4D97-AF65-F5344CB8AC3E}">
-        <p14:creationId xmlns:p14="http://schemas.microsoft.com/office/powerpoint/2010/main" val="3210954933"/>
+        <p14:creationId xmlns:p14="http://schemas.microsoft.com/office/powerpoint/2010/main" val="883072120"/>
       </p:ext>
     </p:extLst>
   </p:cSld>
@@ -547,7 +547,7 @@
           <p:cNvPr id="2" name="竖排标题 1">
             <a:extLst>
               <a:ext uri="{FF2B5EF4-FFF2-40B4-BE49-F238E27FC236}">
-                <a16:creationId xmlns:a16="http://schemas.microsoft.com/office/drawing/2014/main" id="{A61A1F8B-294D-B3F5-E485-9441C3DD87AA}"/>
+                <a16:creationId xmlns:a16="http://schemas.microsoft.com/office/drawing/2014/main" id="{FF85DBD0-DFAA-A239-EAC9-3BC6511272E9}"/>
               </a:ext>
             </a:extLst>
           </p:cNvPr>
@@ -580,7 +580,7 @@
           <p:cNvPr id="3" name="竖排文字占位符 2">
             <a:extLst>
               <a:ext uri="{FF2B5EF4-FFF2-40B4-BE49-F238E27FC236}">
-                <a16:creationId xmlns:a16="http://schemas.microsoft.com/office/drawing/2014/main" id="{27845933-D21D-C1D6-4F80-B4F4BF92E778}"/>
+                <a16:creationId xmlns:a16="http://schemas.microsoft.com/office/drawing/2014/main" id="{8E4ED71F-DA77-9014-A52B-F31003BC2F67}"/>
               </a:ext>
             </a:extLst>
           </p:cNvPr>
@@ -642,7 +642,7 @@
           <p:cNvPr id="4" name="日期占位符 3">
             <a:extLst>
               <a:ext uri="{FF2B5EF4-FFF2-40B4-BE49-F238E27FC236}">
-                <a16:creationId xmlns:a16="http://schemas.microsoft.com/office/drawing/2014/main" id="{5A6A3B28-865E-DC5C-A90F-DC13A7599795}"/>
+                <a16:creationId xmlns:a16="http://schemas.microsoft.com/office/drawing/2014/main" id="{E5F1396F-82C4-3573-748A-C0C729A996AB}"/>
               </a:ext>
             </a:extLst>
           </p:cNvPr>
@@ -658,7 +658,7 @@
           <a:bodyPr/>
           <a:lstStyle/>
           <a:p>
-            <a:fld id="{07605F1F-9AE6-454E-B65A-E290EEC7956F}" type="datetimeFigureOut">
+            <a:fld id="{6762EEBB-8AF0-40AE-B142-358F3A6C2C30}" type="datetimeFigureOut">
               <a:rPr lang="zh-CN" altLang="en-US" smtClean="0"/>
               <a:t>2024/3/10</a:t>
             </a:fld>
@@ -671,7 +671,7 @@
           <p:cNvPr id="5" name="页脚占位符 4">
             <a:extLst>
               <a:ext uri="{FF2B5EF4-FFF2-40B4-BE49-F238E27FC236}">
-                <a16:creationId xmlns:a16="http://schemas.microsoft.com/office/drawing/2014/main" id="{C6188C49-676C-7050-1AE1-8737BD20BDC7}"/>
+                <a16:creationId xmlns:a16="http://schemas.microsoft.com/office/drawing/2014/main" id="{0E113453-0544-2712-7707-31D437BAB904}"/>
               </a:ext>
             </a:extLst>
           </p:cNvPr>
@@ -696,7 +696,7 @@
           <p:cNvPr id="6" name="灯片编号占位符 5">
             <a:extLst>
               <a:ext uri="{FF2B5EF4-FFF2-40B4-BE49-F238E27FC236}">
-                <a16:creationId xmlns:a16="http://schemas.microsoft.com/office/drawing/2014/main" id="{14C39C78-2E12-B7C2-7F87-4138BD10A54D}"/>
+                <a16:creationId xmlns:a16="http://schemas.microsoft.com/office/drawing/2014/main" id="{515D18FD-9A0A-6380-55B4-5E8B121B431A}"/>
               </a:ext>
             </a:extLst>
           </p:cNvPr>
@@ -712,7 +712,7 @@
           <a:bodyPr/>
           <a:lstStyle/>
           <a:p>
-            <a:fld id="{768DD6D7-99C5-4906-A1C2-58A55E2D6B9D}" type="slidenum">
+            <a:fld id="{67E56A48-8FEF-47CF-84BD-E79F4E33CF1E}" type="slidenum">
               <a:rPr lang="zh-CN" altLang="en-US" smtClean="0"/>
               <a:t>‹#›</a:t>
             </a:fld>
@@ -723,7 +723,7 @@
     </p:spTree>
     <p:extLst>
       <p:ext uri="{BB962C8B-B14F-4D97-AF65-F5344CB8AC3E}">
-        <p14:creationId xmlns:p14="http://schemas.microsoft.com/office/powerpoint/2010/main" val="3766578815"/>
+        <p14:creationId xmlns:p14="http://schemas.microsoft.com/office/powerpoint/2010/main" val="962354915"/>
       </p:ext>
     </p:extLst>
   </p:cSld>
@@ -755,7 +755,7 @@
           <p:cNvPr id="2" name="标题 1">
             <a:extLst>
               <a:ext uri="{FF2B5EF4-FFF2-40B4-BE49-F238E27FC236}">
-                <a16:creationId xmlns:a16="http://schemas.microsoft.com/office/drawing/2014/main" id="{4C94A6A9-8FE7-E76E-C16D-A00890849652}"/>
+                <a16:creationId xmlns:a16="http://schemas.microsoft.com/office/drawing/2014/main" id="{3E016863-5A56-C9B1-DA17-301CA30B3D8E}"/>
               </a:ext>
             </a:extLst>
           </p:cNvPr>
@@ -783,7 +783,7 @@
           <p:cNvPr id="3" name="内容占位符 2">
             <a:extLst>
               <a:ext uri="{FF2B5EF4-FFF2-40B4-BE49-F238E27FC236}">
-                <a16:creationId xmlns:a16="http://schemas.microsoft.com/office/drawing/2014/main" id="{2AF7B2B1-5F3C-0535-00BD-8A94402912A7}"/>
+                <a16:creationId xmlns:a16="http://schemas.microsoft.com/office/drawing/2014/main" id="{FCE5F3EB-0856-8718-1F1E-49C22F030698}"/>
               </a:ext>
             </a:extLst>
           </p:cNvPr>
@@ -840,7 +840,7 @@
           <p:cNvPr id="4" name="日期占位符 3">
             <a:extLst>
               <a:ext uri="{FF2B5EF4-FFF2-40B4-BE49-F238E27FC236}">
-                <a16:creationId xmlns:a16="http://schemas.microsoft.com/office/drawing/2014/main" id="{8CB2D4D2-EF46-DD67-88D7-C87F47BFD4D7}"/>
+                <a16:creationId xmlns:a16="http://schemas.microsoft.com/office/drawing/2014/main" id="{762A9A3C-7E92-4B80-51B3-2D3E5C8BE329}"/>
               </a:ext>
             </a:extLst>
           </p:cNvPr>
@@ -856,7 +856,7 @@
           <a:bodyPr/>
           <a:lstStyle/>
           <a:p>
-            <a:fld id="{07605F1F-9AE6-454E-B65A-E290EEC7956F}" type="datetimeFigureOut">
+            <a:fld id="{6762EEBB-8AF0-40AE-B142-358F3A6C2C30}" type="datetimeFigureOut">
               <a:rPr lang="zh-CN" altLang="en-US" smtClean="0"/>
               <a:t>2024/3/10</a:t>
             </a:fld>
@@ -869,7 +869,7 @@
           <p:cNvPr id="5" name="页脚占位符 4">
             <a:extLst>
               <a:ext uri="{FF2B5EF4-FFF2-40B4-BE49-F238E27FC236}">
-                <a16:creationId xmlns:a16="http://schemas.microsoft.com/office/drawing/2014/main" id="{41B5BDA5-1B69-017F-9EAE-464D79BF3C74}"/>
+                <a16:creationId xmlns:a16="http://schemas.microsoft.com/office/drawing/2014/main" id="{74838EB2-8A1D-2407-57BA-949A2F3C3D73}"/>
               </a:ext>
             </a:extLst>
           </p:cNvPr>
@@ -894,7 +894,7 @@
           <p:cNvPr id="6" name="灯片编号占位符 5">
             <a:extLst>
               <a:ext uri="{FF2B5EF4-FFF2-40B4-BE49-F238E27FC236}">
-                <a16:creationId xmlns:a16="http://schemas.microsoft.com/office/drawing/2014/main" id="{4A12347D-B127-3DCD-9616-26A426C7161E}"/>
+                <a16:creationId xmlns:a16="http://schemas.microsoft.com/office/drawing/2014/main" id="{E1A0F3B0-9BF1-4A4D-32A4-7CFD0B1AC67D}"/>
               </a:ext>
             </a:extLst>
           </p:cNvPr>
@@ -910,7 +910,7 @@
           <a:bodyPr/>
           <a:lstStyle/>
           <a:p>
-            <a:fld id="{768DD6D7-99C5-4906-A1C2-58A55E2D6B9D}" type="slidenum">
+            <a:fld id="{67E56A48-8FEF-47CF-84BD-E79F4E33CF1E}" type="slidenum">
               <a:rPr lang="zh-CN" altLang="en-US" smtClean="0"/>
               <a:t>‹#›</a:t>
             </a:fld>
@@ -921,7 +921,7 @@
     </p:spTree>
     <p:extLst>
       <p:ext uri="{BB962C8B-B14F-4D97-AF65-F5344CB8AC3E}">
-        <p14:creationId xmlns:p14="http://schemas.microsoft.com/office/powerpoint/2010/main" val="376256793"/>
+        <p14:creationId xmlns:p14="http://schemas.microsoft.com/office/powerpoint/2010/main" val="3759243271"/>
       </p:ext>
     </p:extLst>
   </p:cSld>
@@ -953,7 +953,7 @@
           <p:cNvPr id="2" name="标题 1">
             <a:extLst>
               <a:ext uri="{FF2B5EF4-FFF2-40B4-BE49-F238E27FC236}">
-                <a16:creationId xmlns:a16="http://schemas.microsoft.com/office/drawing/2014/main" id="{19B203AF-E6DC-5106-4763-CE37996A55D0}"/>
+                <a16:creationId xmlns:a16="http://schemas.microsoft.com/office/drawing/2014/main" id="{3F719EFC-0E8A-E371-CEC9-6E7E6C05E80C}"/>
               </a:ext>
             </a:extLst>
           </p:cNvPr>
@@ -990,7 +990,7 @@
           <p:cNvPr id="3" name="文本占位符 2">
             <a:extLst>
               <a:ext uri="{FF2B5EF4-FFF2-40B4-BE49-F238E27FC236}">
-                <a16:creationId xmlns:a16="http://schemas.microsoft.com/office/drawing/2014/main" id="{1F9BCF8B-D6BA-F0F8-627C-FD022B544D5A}"/>
+                <a16:creationId xmlns:a16="http://schemas.microsoft.com/office/drawing/2014/main" id="{883E1643-CFBA-3D19-78B5-506322712167}"/>
               </a:ext>
             </a:extLst>
           </p:cNvPr>
@@ -1115,7 +1115,7 @@
           <p:cNvPr id="4" name="日期占位符 3">
             <a:extLst>
               <a:ext uri="{FF2B5EF4-FFF2-40B4-BE49-F238E27FC236}">
-                <a16:creationId xmlns:a16="http://schemas.microsoft.com/office/drawing/2014/main" id="{8A60C963-D8CD-9A6D-E372-868562873EC5}"/>
+                <a16:creationId xmlns:a16="http://schemas.microsoft.com/office/drawing/2014/main" id="{10A225F2-4A70-A786-3132-D5C5AF2D9D31}"/>
               </a:ext>
             </a:extLst>
           </p:cNvPr>
@@ -1131,7 +1131,7 @@
           <a:bodyPr/>
           <a:lstStyle/>
           <a:p>
-            <a:fld id="{07605F1F-9AE6-454E-B65A-E290EEC7956F}" type="datetimeFigureOut">
+            <a:fld id="{6762EEBB-8AF0-40AE-B142-358F3A6C2C30}" type="datetimeFigureOut">
               <a:rPr lang="zh-CN" altLang="en-US" smtClean="0"/>
               <a:t>2024/3/10</a:t>
             </a:fld>
@@ -1144,7 +1144,7 @@
           <p:cNvPr id="5" name="页脚占位符 4">
             <a:extLst>
               <a:ext uri="{FF2B5EF4-FFF2-40B4-BE49-F238E27FC236}">
-                <a16:creationId xmlns:a16="http://schemas.microsoft.com/office/drawing/2014/main" id="{51C99ED1-5DED-E53E-D193-3D386E175670}"/>
+                <a16:creationId xmlns:a16="http://schemas.microsoft.com/office/drawing/2014/main" id="{31239CE0-1A1B-C340-A33B-A8A0600EF725}"/>
               </a:ext>
             </a:extLst>
           </p:cNvPr>
@@ -1169,7 +1169,7 @@
           <p:cNvPr id="6" name="灯片编号占位符 5">
             <a:extLst>
               <a:ext uri="{FF2B5EF4-FFF2-40B4-BE49-F238E27FC236}">
-                <a16:creationId xmlns:a16="http://schemas.microsoft.com/office/drawing/2014/main" id="{2B9C1ED6-DDEA-0AFD-3642-F0D0CB9B96FB}"/>
+                <a16:creationId xmlns:a16="http://schemas.microsoft.com/office/drawing/2014/main" id="{073F2BB7-98D2-D977-1146-42B30F89E4F2}"/>
               </a:ext>
             </a:extLst>
           </p:cNvPr>
@@ -1185,7 +1185,7 @@
           <a:bodyPr/>
           <a:lstStyle/>
           <a:p>
-            <a:fld id="{768DD6D7-99C5-4906-A1C2-58A55E2D6B9D}" type="slidenum">
+            <a:fld id="{67E56A48-8FEF-47CF-84BD-E79F4E33CF1E}" type="slidenum">
               <a:rPr lang="zh-CN" altLang="en-US" smtClean="0"/>
               <a:t>‹#›</a:t>
             </a:fld>
@@ -1196,7 +1196,7 @@
     </p:spTree>
     <p:extLst>
       <p:ext uri="{BB962C8B-B14F-4D97-AF65-F5344CB8AC3E}">
-        <p14:creationId xmlns:p14="http://schemas.microsoft.com/office/powerpoint/2010/main" val="3992839622"/>
+        <p14:creationId xmlns:p14="http://schemas.microsoft.com/office/powerpoint/2010/main" val="318854090"/>
       </p:ext>
     </p:extLst>
   </p:cSld>
@@ -1228,7 +1228,7 @@
           <p:cNvPr id="2" name="标题 1">
             <a:extLst>
               <a:ext uri="{FF2B5EF4-FFF2-40B4-BE49-F238E27FC236}">
-                <a16:creationId xmlns:a16="http://schemas.microsoft.com/office/drawing/2014/main" id="{183E35A6-D16F-0FFB-D966-9927EC22EAC6}"/>
+                <a16:creationId xmlns:a16="http://schemas.microsoft.com/office/drawing/2014/main" id="{99FB9ED7-11FA-06D4-9F0B-3206E6B98E7B}"/>
               </a:ext>
             </a:extLst>
           </p:cNvPr>
@@ -1256,7 +1256,7 @@
           <p:cNvPr id="3" name="内容占位符 2">
             <a:extLst>
               <a:ext uri="{FF2B5EF4-FFF2-40B4-BE49-F238E27FC236}">
-                <a16:creationId xmlns:a16="http://schemas.microsoft.com/office/drawing/2014/main" id="{0C717931-247E-B31C-2CDF-1705B151C237}"/>
+                <a16:creationId xmlns:a16="http://schemas.microsoft.com/office/drawing/2014/main" id="{BCF03CDD-ED22-92AE-75EA-3340D092865D}"/>
               </a:ext>
             </a:extLst>
           </p:cNvPr>
@@ -1318,7 +1318,7 @@
           <p:cNvPr id="4" name="内容占位符 3">
             <a:extLst>
               <a:ext uri="{FF2B5EF4-FFF2-40B4-BE49-F238E27FC236}">
-                <a16:creationId xmlns:a16="http://schemas.microsoft.com/office/drawing/2014/main" id="{BC08028A-7F89-B278-5081-9927E99129CC}"/>
+                <a16:creationId xmlns:a16="http://schemas.microsoft.com/office/drawing/2014/main" id="{E63898AF-C8E9-D1C4-2277-33863604449C}"/>
               </a:ext>
             </a:extLst>
           </p:cNvPr>
@@ -1380,7 +1380,7 @@
           <p:cNvPr id="5" name="日期占位符 4">
             <a:extLst>
               <a:ext uri="{FF2B5EF4-FFF2-40B4-BE49-F238E27FC236}">
-                <a16:creationId xmlns:a16="http://schemas.microsoft.com/office/drawing/2014/main" id="{A8E4EFE4-5B93-1620-556D-CE62BC07C8A9}"/>
+                <a16:creationId xmlns:a16="http://schemas.microsoft.com/office/drawing/2014/main" id="{8296D930-92FE-9AA3-B168-2B325C02657E}"/>
               </a:ext>
             </a:extLst>
           </p:cNvPr>
@@ -1396,7 +1396,7 @@
           <a:bodyPr/>
           <a:lstStyle/>
           <a:p>
-            <a:fld id="{07605F1F-9AE6-454E-B65A-E290EEC7956F}" type="datetimeFigureOut">
+            <a:fld id="{6762EEBB-8AF0-40AE-B142-358F3A6C2C30}" type="datetimeFigureOut">
               <a:rPr lang="zh-CN" altLang="en-US" smtClean="0"/>
               <a:t>2024/3/10</a:t>
             </a:fld>
@@ -1409,7 +1409,7 @@
           <p:cNvPr id="6" name="页脚占位符 5">
             <a:extLst>
               <a:ext uri="{FF2B5EF4-FFF2-40B4-BE49-F238E27FC236}">
-                <a16:creationId xmlns:a16="http://schemas.microsoft.com/office/drawing/2014/main" id="{4388ABC4-74AC-428F-50D8-4D13729717D3}"/>
+                <a16:creationId xmlns:a16="http://schemas.microsoft.com/office/drawing/2014/main" id="{124C3AC4-A5B1-2306-14DA-E642FD9C0B8A}"/>
               </a:ext>
             </a:extLst>
           </p:cNvPr>
@@ -1434,7 +1434,7 @@
           <p:cNvPr id="7" name="灯片编号占位符 6">
             <a:extLst>
               <a:ext uri="{FF2B5EF4-FFF2-40B4-BE49-F238E27FC236}">
-                <a16:creationId xmlns:a16="http://schemas.microsoft.com/office/drawing/2014/main" id="{49463537-D7EF-0420-4956-B69A97269732}"/>
+                <a16:creationId xmlns:a16="http://schemas.microsoft.com/office/drawing/2014/main" id="{381694B4-15BA-0E63-1ACC-6D177B20A5DC}"/>
               </a:ext>
             </a:extLst>
           </p:cNvPr>
@@ -1450,7 +1450,7 @@
           <a:bodyPr/>
           <a:lstStyle/>
           <a:p>
-            <a:fld id="{768DD6D7-99C5-4906-A1C2-58A55E2D6B9D}" type="slidenum">
+            <a:fld id="{67E56A48-8FEF-47CF-84BD-E79F4E33CF1E}" type="slidenum">
               <a:rPr lang="zh-CN" altLang="en-US" smtClean="0"/>
               <a:t>‹#›</a:t>
             </a:fld>
@@ -1461,7 +1461,7 @@
     </p:spTree>
     <p:extLst>
       <p:ext uri="{BB962C8B-B14F-4D97-AF65-F5344CB8AC3E}">
-        <p14:creationId xmlns:p14="http://schemas.microsoft.com/office/powerpoint/2010/main" val="2409112754"/>
+        <p14:creationId xmlns:p14="http://schemas.microsoft.com/office/powerpoint/2010/main" val="790576249"/>
       </p:ext>
     </p:extLst>
   </p:cSld>
@@ -1493,7 +1493,7 @@
           <p:cNvPr id="2" name="标题 1">
             <a:extLst>
               <a:ext uri="{FF2B5EF4-FFF2-40B4-BE49-F238E27FC236}">
-                <a16:creationId xmlns:a16="http://schemas.microsoft.com/office/drawing/2014/main" id="{D4A99AAA-CA8D-090C-D2F4-6C446BA29036}"/>
+                <a16:creationId xmlns:a16="http://schemas.microsoft.com/office/drawing/2014/main" id="{6427499F-E719-FAF2-E42C-753946772F90}"/>
               </a:ext>
             </a:extLst>
           </p:cNvPr>
@@ -1526,7 +1526,7 @@
           <p:cNvPr id="3" name="文本占位符 2">
             <a:extLst>
               <a:ext uri="{FF2B5EF4-FFF2-40B4-BE49-F238E27FC236}">
-                <a16:creationId xmlns:a16="http://schemas.microsoft.com/office/drawing/2014/main" id="{286BE331-442C-B3E1-8BF9-F1F8167E4A1D}"/>
+                <a16:creationId xmlns:a16="http://schemas.microsoft.com/office/drawing/2014/main" id="{0533F244-B826-10AE-F463-CC7E0EDFF31E}"/>
               </a:ext>
             </a:extLst>
           </p:cNvPr>
@@ -1597,7 +1597,7 @@
           <p:cNvPr id="4" name="内容占位符 3">
             <a:extLst>
               <a:ext uri="{FF2B5EF4-FFF2-40B4-BE49-F238E27FC236}">
-                <a16:creationId xmlns:a16="http://schemas.microsoft.com/office/drawing/2014/main" id="{59B255B6-9EEE-1119-F71D-B4F0B2021108}"/>
+                <a16:creationId xmlns:a16="http://schemas.microsoft.com/office/drawing/2014/main" id="{F8C2E05B-5AAD-E944-2286-2E1A9F2551B7}"/>
               </a:ext>
             </a:extLst>
           </p:cNvPr>
@@ -1659,7 +1659,7 @@
           <p:cNvPr id="5" name="文本占位符 4">
             <a:extLst>
               <a:ext uri="{FF2B5EF4-FFF2-40B4-BE49-F238E27FC236}">
-                <a16:creationId xmlns:a16="http://schemas.microsoft.com/office/drawing/2014/main" id="{78323EA6-0B87-69F8-B018-DF84D18D03CF}"/>
+                <a16:creationId xmlns:a16="http://schemas.microsoft.com/office/drawing/2014/main" id="{B93E98D0-76E7-BBEE-A8FA-0EC6735BD35E}"/>
               </a:ext>
             </a:extLst>
           </p:cNvPr>
@@ -1730,7 +1730,7 @@
           <p:cNvPr id="6" name="内容占位符 5">
             <a:extLst>
               <a:ext uri="{FF2B5EF4-FFF2-40B4-BE49-F238E27FC236}">
-                <a16:creationId xmlns:a16="http://schemas.microsoft.com/office/drawing/2014/main" id="{BD3AD5B2-24B9-0BB6-C73E-8BF41207CCBF}"/>
+                <a16:creationId xmlns:a16="http://schemas.microsoft.com/office/drawing/2014/main" id="{25950079-684C-F994-632F-E2918687B729}"/>
               </a:ext>
             </a:extLst>
           </p:cNvPr>
@@ -1792,7 +1792,7 @@
           <p:cNvPr id="7" name="日期占位符 6">
             <a:extLst>
               <a:ext uri="{FF2B5EF4-FFF2-40B4-BE49-F238E27FC236}">
-                <a16:creationId xmlns:a16="http://schemas.microsoft.com/office/drawing/2014/main" id="{440293B4-29F7-44E1-0137-1753BC1BC665}"/>
+                <a16:creationId xmlns:a16="http://schemas.microsoft.com/office/drawing/2014/main" id="{E92D3ED4-44BF-FFAD-537B-D062B560AE1A}"/>
               </a:ext>
             </a:extLst>
           </p:cNvPr>
@@ -1808,7 +1808,7 @@
           <a:bodyPr/>
           <a:lstStyle/>
           <a:p>
-            <a:fld id="{07605F1F-9AE6-454E-B65A-E290EEC7956F}" type="datetimeFigureOut">
+            <a:fld id="{6762EEBB-8AF0-40AE-B142-358F3A6C2C30}" type="datetimeFigureOut">
               <a:rPr lang="zh-CN" altLang="en-US" smtClean="0"/>
               <a:t>2024/3/10</a:t>
             </a:fld>
@@ -1821,7 +1821,7 @@
           <p:cNvPr id="8" name="页脚占位符 7">
             <a:extLst>
               <a:ext uri="{FF2B5EF4-FFF2-40B4-BE49-F238E27FC236}">
-                <a16:creationId xmlns:a16="http://schemas.microsoft.com/office/drawing/2014/main" id="{39545714-FA7A-D1D3-1658-2F6732AA4A93}"/>
+                <a16:creationId xmlns:a16="http://schemas.microsoft.com/office/drawing/2014/main" id="{024420DE-3BE9-45D2-C07B-20AF309DA5FF}"/>
               </a:ext>
             </a:extLst>
           </p:cNvPr>
@@ -1846,7 +1846,7 @@
           <p:cNvPr id="9" name="灯片编号占位符 8">
             <a:extLst>
               <a:ext uri="{FF2B5EF4-FFF2-40B4-BE49-F238E27FC236}">
-                <a16:creationId xmlns:a16="http://schemas.microsoft.com/office/drawing/2014/main" id="{DBEBB933-D54C-9C14-A409-E746B7FFF115}"/>
+                <a16:creationId xmlns:a16="http://schemas.microsoft.com/office/drawing/2014/main" id="{263CB33D-4B2A-935A-8F12-16F98B4CF661}"/>
               </a:ext>
             </a:extLst>
           </p:cNvPr>
@@ -1862,7 +1862,7 @@
           <a:bodyPr/>
           <a:lstStyle/>
           <a:p>
-            <a:fld id="{768DD6D7-99C5-4906-A1C2-58A55E2D6B9D}" type="slidenum">
+            <a:fld id="{67E56A48-8FEF-47CF-84BD-E79F4E33CF1E}" type="slidenum">
               <a:rPr lang="zh-CN" altLang="en-US" smtClean="0"/>
               <a:t>‹#›</a:t>
             </a:fld>
@@ -1873,7 +1873,7 @@
     </p:spTree>
     <p:extLst>
       <p:ext uri="{BB962C8B-B14F-4D97-AF65-F5344CB8AC3E}">
-        <p14:creationId xmlns:p14="http://schemas.microsoft.com/office/powerpoint/2010/main" val="3837480145"/>
+        <p14:creationId xmlns:p14="http://schemas.microsoft.com/office/powerpoint/2010/main" val="429244921"/>
       </p:ext>
     </p:extLst>
   </p:cSld>
@@ -1905,7 +1905,7 @@
           <p:cNvPr id="2" name="标题 1">
             <a:extLst>
               <a:ext uri="{FF2B5EF4-FFF2-40B4-BE49-F238E27FC236}">
-                <a16:creationId xmlns:a16="http://schemas.microsoft.com/office/drawing/2014/main" id="{4F317E5A-0840-724E-C51D-6F88D7C44A67}"/>
+                <a16:creationId xmlns:a16="http://schemas.microsoft.com/office/drawing/2014/main" id="{BEE6CDF8-A4A1-3775-8860-2B6D9368BD70}"/>
               </a:ext>
             </a:extLst>
           </p:cNvPr>
@@ -1933,7 +1933,7 @@
           <p:cNvPr id="3" name="日期占位符 2">
             <a:extLst>
               <a:ext uri="{FF2B5EF4-FFF2-40B4-BE49-F238E27FC236}">
-                <a16:creationId xmlns:a16="http://schemas.microsoft.com/office/drawing/2014/main" id="{14AF70A8-DFAE-0B5E-2405-9CD782AE3B97}"/>
+                <a16:creationId xmlns:a16="http://schemas.microsoft.com/office/drawing/2014/main" id="{802BB118-FB7C-B730-B004-E5C2787783FB}"/>
               </a:ext>
             </a:extLst>
           </p:cNvPr>
@@ -1949,7 +1949,7 @@
           <a:bodyPr/>
           <a:lstStyle/>
           <a:p>
-            <a:fld id="{07605F1F-9AE6-454E-B65A-E290EEC7956F}" type="datetimeFigureOut">
+            <a:fld id="{6762EEBB-8AF0-40AE-B142-358F3A6C2C30}" type="datetimeFigureOut">
               <a:rPr lang="zh-CN" altLang="en-US" smtClean="0"/>
               <a:t>2024/3/10</a:t>
             </a:fld>
@@ -1962,7 +1962,7 @@
           <p:cNvPr id="4" name="页脚占位符 3">
             <a:extLst>
               <a:ext uri="{FF2B5EF4-FFF2-40B4-BE49-F238E27FC236}">
-                <a16:creationId xmlns:a16="http://schemas.microsoft.com/office/drawing/2014/main" id="{3B388437-4390-5C45-1980-CFE46536FB24}"/>
+                <a16:creationId xmlns:a16="http://schemas.microsoft.com/office/drawing/2014/main" id="{F0DF26F5-EA4D-C568-FCBF-382F774AC33A}"/>
               </a:ext>
             </a:extLst>
           </p:cNvPr>
@@ -1987,7 +1987,7 @@
           <p:cNvPr id="5" name="灯片编号占位符 4">
             <a:extLst>
               <a:ext uri="{FF2B5EF4-FFF2-40B4-BE49-F238E27FC236}">
-                <a16:creationId xmlns:a16="http://schemas.microsoft.com/office/drawing/2014/main" id="{8EDAEA0F-122E-371D-F510-1BC998082DE5}"/>
+                <a16:creationId xmlns:a16="http://schemas.microsoft.com/office/drawing/2014/main" id="{7ED6263D-1F25-AD0A-450E-F4AABF9A5685}"/>
               </a:ext>
             </a:extLst>
           </p:cNvPr>
@@ -2003,7 +2003,7 @@
           <a:bodyPr/>
           <a:lstStyle/>
           <a:p>
-            <a:fld id="{768DD6D7-99C5-4906-A1C2-58A55E2D6B9D}" type="slidenum">
+            <a:fld id="{67E56A48-8FEF-47CF-84BD-E79F4E33CF1E}" type="slidenum">
               <a:rPr lang="zh-CN" altLang="en-US" smtClean="0"/>
               <a:t>‹#›</a:t>
             </a:fld>
@@ -2014,7 +2014,7 @@
     </p:spTree>
     <p:extLst>
       <p:ext uri="{BB962C8B-B14F-4D97-AF65-F5344CB8AC3E}">
-        <p14:creationId xmlns:p14="http://schemas.microsoft.com/office/powerpoint/2010/main" val="763943209"/>
+        <p14:creationId xmlns:p14="http://schemas.microsoft.com/office/powerpoint/2010/main" val="4104863884"/>
       </p:ext>
     </p:extLst>
   </p:cSld>
@@ -2046,7 +2046,7 @@
           <p:cNvPr id="2" name="日期占位符 1">
             <a:extLst>
               <a:ext uri="{FF2B5EF4-FFF2-40B4-BE49-F238E27FC236}">
-                <a16:creationId xmlns:a16="http://schemas.microsoft.com/office/drawing/2014/main" id="{741C95A1-5885-1370-7FE0-A5466203740A}"/>
+                <a16:creationId xmlns:a16="http://schemas.microsoft.com/office/drawing/2014/main" id="{22E4F7D3-9882-33D7-E647-274FD872B2BA}"/>
               </a:ext>
             </a:extLst>
           </p:cNvPr>
@@ -2062,7 +2062,7 @@
           <a:bodyPr/>
           <a:lstStyle/>
           <a:p>
-            <a:fld id="{07605F1F-9AE6-454E-B65A-E290EEC7956F}" type="datetimeFigureOut">
+            <a:fld id="{6762EEBB-8AF0-40AE-B142-358F3A6C2C30}" type="datetimeFigureOut">
               <a:rPr lang="zh-CN" altLang="en-US" smtClean="0"/>
               <a:t>2024/3/10</a:t>
             </a:fld>
@@ -2075,7 +2075,7 @@
           <p:cNvPr id="3" name="页脚占位符 2">
             <a:extLst>
               <a:ext uri="{FF2B5EF4-FFF2-40B4-BE49-F238E27FC236}">
-                <a16:creationId xmlns:a16="http://schemas.microsoft.com/office/drawing/2014/main" id="{4B79356F-2466-E196-78C8-6A20EE11799D}"/>
+                <a16:creationId xmlns:a16="http://schemas.microsoft.com/office/drawing/2014/main" id="{7E296548-476D-3DDE-3E09-8652829B7D20}"/>
               </a:ext>
             </a:extLst>
           </p:cNvPr>
@@ -2100,7 +2100,7 @@
           <p:cNvPr id="4" name="灯片编号占位符 3">
             <a:extLst>
               <a:ext uri="{FF2B5EF4-FFF2-40B4-BE49-F238E27FC236}">
-                <a16:creationId xmlns:a16="http://schemas.microsoft.com/office/drawing/2014/main" id="{281256E0-0E54-1DC8-B6EC-7F145CFF552B}"/>
+                <a16:creationId xmlns:a16="http://schemas.microsoft.com/office/drawing/2014/main" id="{48779C7B-8D81-DB9D-6581-C0787CE5EF7A}"/>
               </a:ext>
             </a:extLst>
           </p:cNvPr>
@@ -2116,7 +2116,7 @@
           <a:bodyPr/>
           <a:lstStyle/>
           <a:p>
-            <a:fld id="{768DD6D7-99C5-4906-A1C2-58A55E2D6B9D}" type="slidenum">
+            <a:fld id="{67E56A48-8FEF-47CF-84BD-E79F4E33CF1E}" type="slidenum">
               <a:rPr lang="zh-CN" altLang="en-US" smtClean="0"/>
               <a:t>‹#›</a:t>
             </a:fld>
@@ -2127,7 +2127,7 @@
     </p:spTree>
     <p:extLst>
       <p:ext uri="{BB962C8B-B14F-4D97-AF65-F5344CB8AC3E}">
-        <p14:creationId xmlns:p14="http://schemas.microsoft.com/office/powerpoint/2010/main" val="491073086"/>
+        <p14:creationId xmlns:p14="http://schemas.microsoft.com/office/powerpoint/2010/main" val="1355871804"/>
       </p:ext>
     </p:extLst>
   </p:cSld>
@@ -2159,7 +2159,7 @@
           <p:cNvPr id="2" name="标题 1">
             <a:extLst>
               <a:ext uri="{FF2B5EF4-FFF2-40B4-BE49-F238E27FC236}">
-                <a16:creationId xmlns:a16="http://schemas.microsoft.com/office/drawing/2014/main" id="{94ACA303-DFED-0757-757F-1E5C84519409}"/>
+                <a16:creationId xmlns:a16="http://schemas.microsoft.com/office/drawing/2014/main" id="{9C286668-FE85-DDFB-48F4-8E4428ACFBD5}"/>
               </a:ext>
             </a:extLst>
           </p:cNvPr>
@@ -2196,7 +2196,7 @@
           <p:cNvPr id="3" name="内容占位符 2">
             <a:extLst>
               <a:ext uri="{FF2B5EF4-FFF2-40B4-BE49-F238E27FC236}">
-                <a16:creationId xmlns:a16="http://schemas.microsoft.com/office/drawing/2014/main" id="{3AF37786-97F6-6641-0177-20AB6AB23111}"/>
+                <a16:creationId xmlns:a16="http://schemas.microsoft.com/office/drawing/2014/main" id="{CD8F5799-A23C-8578-174D-ACEF6E43EEFF}"/>
               </a:ext>
             </a:extLst>
           </p:cNvPr>
@@ -2286,7 +2286,7 @@
           <p:cNvPr id="4" name="文本占位符 3">
             <a:extLst>
               <a:ext uri="{FF2B5EF4-FFF2-40B4-BE49-F238E27FC236}">
-                <a16:creationId xmlns:a16="http://schemas.microsoft.com/office/drawing/2014/main" id="{7759F48C-1137-E50E-49E7-B17D36144578}"/>
+                <a16:creationId xmlns:a16="http://schemas.microsoft.com/office/drawing/2014/main" id="{C8BA5A36-A2D3-D111-3D0A-6A6B46C56530}"/>
               </a:ext>
             </a:extLst>
           </p:cNvPr>
@@ -2357,7 +2357,7 @@
           <p:cNvPr id="5" name="日期占位符 4">
             <a:extLst>
               <a:ext uri="{FF2B5EF4-FFF2-40B4-BE49-F238E27FC236}">
-                <a16:creationId xmlns:a16="http://schemas.microsoft.com/office/drawing/2014/main" id="{A76240BE-E0BE-B2C3-CF74-766AB593FA7E}"/>
+                <a16:creationId xmlns:a16="http://schemas.microsoft.com/office/drawing/2014/main" id="{4B907F7F-324B-7AC0-6EBE-908083B1E22F}"/>
               </a:ext>
             </a:extLst>
           </p:cNvPr>
@@ -2373,7 +2373,7 @@
           <a:bodyPr/>
           <a:lstStyle/>
           <a:p>
-            <a:fld id="{07605F1F-9AE6-454E-B65A-E290EEC7956F}" type="datetimeFigureOut">
+            <a:fld id="{6762EEBB-8AF0-40AE-B142-358F3A6C2C30}" type="datetimeFigureOut">
               <a:rPr lang="zh-CN" altLang="en-US" smtClean="0"/>
               <a:t>2024/3/10</a:t>
             </a:fld>
@@ -2386,7 +2386,7 @@
           <p:cNvPr id="6" name="页脚占位符 5">
             <a:extLst>
               <a:ext uri="{FF2B5EF4-FFF2-40B4-BE49-F238E27FC236}">
-                <a16:creationId xmlns:a16="http://schemas.microsoft.com/office/drawing/2014/main" id="{A07ACBF3-8485-87CC-E656-36D7D8F71267}"/>
+                <a16:creationId xmlns:a16="http://schemas.microsoft.com/office/drawing/2014/main" id="{936A94F9-B982-D492-2BA1-30CC03FC9100}"/>
               </a:ext>
             </a:extLst>
           </p:cNvPr>
@@ -2411,7 +2411,7 @@
           <p:cNvPr id="7" name="灯片编号占位符 6">
             <a:extLst>
               <a:ext uri="{FF2B5EF4-FFF2-40B4-BE49-F238E27FC236}">
-                <a16:creationId xmlns:a16="http://schemas.microsoft.com/office/drawing/2014/main" id="{DA90E74F-5BF9-86EA-7CE2-A495E7700950}"/>
+                <a16:creationId xmlns:a16="http://schemas.microsoft.com/office/drawing/2014/main" id="{3EC6F7F7-8194-6D7C-AF52-ADCB59221C16}"/>
               </a:ext>
             </a:extLst>
           </p:cNvPr>
@@ -2427,7 +2427,7 @@
           <a:bodyPr/>
           <a:lstStyle/>
           <a:p>
-            <a:fld id="{768DD6D7-99C5-4906-A1C2-58A55E2D6B9D}" type="slidenum">
+            <a:fld id="{67E56A48-8FEF-47CF-84BD-E79F4E33CF1E}" type="slidenum">
               <a:rPr lang="zh-CN" altLang="en-US" smtClean="0"/>
               <a:t>‹#›</a:t>
             </a:fld>
@@ -2438,7 +2438,7 @@
     </p:spTree>
     <p:extLst>
       <p:ext uri="{BB962C8B-B14F-4D97-AF65-F5344CB8AC3E}">
-        <p14:creationId xmlns:p14="http://schemas.microsoft.com/office/powerpoint/2010/main" val="4151602363"/>
+        <p14:creationId xmlns:p14="http://schemas.microsoft.com/office/powerpoint/2010/main" val="1269473002"/>
       </p:ext>
     </p:extLst>
   </p:cSld>
@@ -2470,7 +2470,7 @@
           <p:cNvPr id="2" name="标题 1">
             <a:extLst>
               <a:ext uri="{FF2B5EF4-FFF2-40B4-BE49-F238E27FC236}">
-                <a16:creationId xmlns:a16="http://schemas.microsoft.com/office/drawing/2014/main" id="{238221E3-BA00-7756-6DA6-B76A01269698}"/>
+                <a16:creationId xmlns:a16="http://schemas.microsoft.com/office/drawing/2014/main" id="{6A2FBE40-E017-96B8-96CC-4D5AECE49D8C}"/>
               </a:ext>
             </a:extLst>
           </p:cNvPr>
@@ -2507,7 +2507,7 @@
           <p:cNvPr id="3" name="图片占位符 2">
             <a:extLst>
               <a:ext uri="{FF2B5EF4-FFF2-40B4-BE49-F238E27FC236}">
-                <a16:creationId xmlns:a16="http://schemas.microsoft.com/office/drawing/2014/main" id="{2724547C-3ECD-27B3-B1E5-091DB62AE1BD}"/>
+                <a16:creationId xmlns:a16="http://schemas.microsoft.com/office/drawing/2014/main" id="{ECF7235B-BD6A-847E-1C75-A8B34281BD1B}"/>
               </a:ext>
             </a:extLst>
           </p:cNvPr>
@@ -2574,7 +2574,7 @@
           <p:cNvPr id="4" name="文本占位符 3">
             <a:extLst>
               <a:ext uri="{FF2B5EF4-FFF2-40B4-BE49-F238E27FC236}">
-                <a16:creationId xmlns:a16="http://schemas.microsoft.com/office/drawing/2014/main" id="{5830F350-E2B4-E81A-13AA-7962BE99239D}"/>
+                <a16:creationId xmlns:a16="http://schemas.microsoft.com/office/drawing/2014/main" id="{079A88AF-80DA-9D92-96A8-931B4EFF0045}"/>
               </a:ext>
             </a:extLst>
           </p:cNvPr>
@@ -2645,7 +2645,7 @@
           <p:cNvPr id="5" name="日期占位符 4">
             <a:extLst>
               <a:ext uri="{FF2B5EF4-FFF2-40B4-BE49-F238E27FC236}">
-                <a16:creationId xmlns:a16="http://schemas.microsoft.com/office/drawing/2014/main" id="{A50CCE08-D978-5998-3F39-8E1EAFC4F8DB}"/>
+                <a16:creationId xmlns:a16="http://schemas.microsoft.com/office/drawing/2014/main" id="{974A0936-7989-0596-1891-9111AF7608D9}"/>
               </a:ext>
             </a:extLst>
           </p:cNvPr>
@@ -2661,7 +2661,7 @@
           <a:bodyPr/>
           <a:lstStyle/>
           <a:p>
-            <a:fld id="{07605F1F-9AE6-454E-B65A-E290EEC7956F}" type="datetimeFigureOut">
+            <a:fld id="{6762EEBB-8AF0-40AE-B142-358F3A6C2C30}" type="datetimeFigureOut">
               <a:rPr lang="zh-CN" altLang="en-US" smtClean="0"/>
               <a:t>2024/3/10</a:t>
             </a:fld>
@@ -2674,7 +2674,7 @@
           <p:cNvPr id="6" name="页脚占位符 5">
             <a:extLst>
               <a:ext uri="{FF2B5EF4-FFF2-40B4-BE49-F238E27FC236}">
-                <a16:creationId xmlns:a16="http://schemas.microsoft.com/office/drawing/2014/main" id="{51066ED8-FABA-B387-2B62-DBA5BD89FC61}"/>
+                <a16:creationId xmlns:a16="http://schemas.microsoft.com/office/drawing/2014/main" id="{E0F6FCFF-2C4D-F554-8E5A-6A7E18B59D39}"/>
               </a:ext>
             </a:extLst>
           </p:cNvPr>
@@ -2699,7 +2699,7 @@
           <p:cNvPr id="7" name="灯片编号占位符 6">
             <a:extLst>
               <a:ext uri="{FF2B5EF4-FFF2-40B4-BE49-F238E27FC236}">
-                <a16:creationId xmlns:a16="http://schemas.microsoft.com/office/drawing/2014/main" id="{746704D3-5437-584D-4A61-B43561C366D8}"/>
+                <a16:creationId xmlns:a16="http://schemas.microsoft.com/office/drawing/2014/main" id="{6ECB59D4-FB47-ED88-D79C-F3C561DB2B5F}"/>
               </a:ext>
             </a:extLst>
           </p:cNvPr>
@@ -2715,7 +2715,7 @@
           <a:bodyPr/>
           <a:lstStyle/>
           <a:p>
-            <a:fld id="{768DD6D7-99C5-4906-A1C2-58A55E2D6B9D}" type="slidenum">
+            <a:fld id="{67E56A48-8FEF-47CF-84BD-E79F4E33CF1E}" type="slidenum">
               <a:rPr lang="zh-CN" altLang="en-US" smtClean="0"/>
               <a:t>‹#›</a:t>
             </a:fld>
@@ -2726,7 +2726,7 @@
     </p:spTree>
     <p:extLst>
       <p:ext uri="{BB962C8B-B14F-4D97-AF65-F5344CB8AC3E}">
-        <p14:creationId xmlns:p14="http://schemas.microsoft.com/office/powerpoint/2010/main" val="3286265951"/>
+        <p14:creationId xmlns:p14="http://schemas.microsoft.com/office/powerpoint/2010/main" val="621113618"/>
       </p:ext>
     </p:extLst>
   </p:cSld>
@@ -2763,7 +2763,7 @@
           <p:cNvPr id="2" name="标题占位符 1">
             <a:extLst>
               <a:ext uri="{FF2B5EF4-FFF2-40B4-BE49-F238E27FC236}">
-                <a16:creationId xmlns:a16="http://schemas.microsoft.com/office/drawing/2014/main" id="{24E4A56C-2250-68FF-C2DD-78734B5E0EEE}"/>
+                <a16:creationId xmlns:a16="http://schemas.microsoft.com/office/drawing/2014/main" id="{922E23FB-21FA-8AE9-5124-3AD7B9B54B96}"/>
               </a:ext>
             </a:extLst>
           </p:cNvPr>
@@ -2801,7 +2801,7 @@
           <p:cNvPr id="3" name="文本占位符 2">
             <a:extLst>
               <a:ext uri="{FF2B5EF4-FFF2-40B4-BE49-F238E27FC236}">
-                <a16:creationId xmlns:a16="http://schemas.microsoft.com/office/drawing/2014/main" id="{98465B21-1E69-1676-0C61-1DF610D65FD9}"/>
+                <a16:creationId xmlns:a16="http://schemas.microsoft.com/office/drawing/2014/main" id="{7F29ACCC-9412-0898-4A4D-C73222F77766}"/>
               </a:ext>
             </a:extLst>
           </p:cNvPr>
@@ -2868,7 +2868,7 @@
           <p:cNvPr id="4" name="日期占位符 3">
             <a:extLst>
               <a:ext uri="{FF2B5EF4-FFF2-40B4-BE49-F238E27FC236}">
-                <a16:creationId xmlns:a16="http://schemas.microsoft.com/office/drawing/2014/main" id="{4620000F-5351-3A6F-5669-7C25C0CAC47B}"/>
+                <a16:creationId xmlns:a16="http://schemas.microsoft.com/office/drawing/2014/main" id="{3DEDCF82-854E-C1C6-70A3-C531B9E7C514}"/>
               </a:ext>
             </a:extLst>
           </p:cNvPr>
@@ -2902,7 +2902,7 @@
             </a:lvl1pPr>
           </a:lstStyle>
           <a:p>
-            <a:fld id="{07605F1F-9AE6-454E-B65A-E290EEC7956F}" type="datetimeFigureOut">
+            <a:fld id="{6762EEBB-8AF0-40AE-B142-358F3A6C2C30}" type="datetimeFigureOut">
               <a:rPr lang="zh-CN" altLang="en-US" smtClean="0"/>
               <a:t>2024/3/10</a:t>
             </a:fld>
@@ -2915,7 +2915,7 @@
           <p:cNvPr id="5" name="页脚占位符 4">
             <a:extLst>
               <a:ext uri="{FF2B5EF4-FFF2-40B4-BE49-F238E27FC236}">
-                <a16:creationId xmlns:a16="http://schemas.microsoft.com/office/drawing/2014/main" id="{C64BA5E4-5E7F-2E18-3073-A261D8A6F8CD}"/>
+                <a16:creationId xmlns:a16="http://schemas.microsoft.com/office/drawing/2014/main" id="{0B7D745E-02EC-2AA4-1428-993EFA902F89}"/>
               </a:ext>
             </a:extLst>
           </p:cNvPr>
@@ -2958,7 +2958,7 @@
           <p:cNvPr id="6" name="灯片编号占位符 5">
             <a:extLst>
               <a:ext uri="{FF2B5EF4-FFF2-40B4-BE49-F238E27FC236}">
-                <a16:creationId xmlns:a16="http://schemas.microsoft.com/office/drawing/2014/main" id="{325AD1F0-A237-F82A-C16C-220EBF035AE4}"/>
+                <a16:creationId xmlns:a16="http://schemas.microsoft.com/office/drawing/2014/main" id="{B9A3DA97-9BCF-0446-084C-BFDCD6B6F6A2}"/>
               </a:ext>
             </a:extLst>
           </p:cNvPr>
@@ -2992,7 +2992,7 @@
             </a:lvl1pPr>
           </a:lstStyle>
           <a:p>
-            <a:fld id="{768DD6D7-99C5-4906-A1C2-58A55E2D6B9D}" type="slidenum">
+            <a:fld id="{67E56A48-8FEF-47CF-84BD-E79F4E33CF1E}" type="slidenum">
               <a:rPr lang="zh-CN" altLang="en-US" smtClean="0"/>
               <a:t>‹#›</a:t>
             </a:fld>
@@ -3003,7 +3003,7 @@
     </p:spTree>
     <p:extLst>
       <p:ext uri="{BB962C8B-B14F-4D97-AF65-F5344CB8AC3E}">
-        <p14:creationId xmlns:p14="http://schemas.microsoft.com/office/powerpoint/2010/main" val="2907386246"/>
+        <p14:creationId xmlns:p14="http://schemas.microsoft.com/office/powerpoint/2010/main" val="646916229"/>
       </p:ext>
     </p:extLst>
   </p:cSld>
@@ -3323,7 +3323,7 @@
       </p:grpSpPr>
       <p:pic>
         <p:nvPicPr>
-          <p:cNvPr id="481282" name="Picture 2" descr="469"/>
+          <p:cNvPr id="482306" name="Picture 2" descr="470"/>
           <p:cNvPicPr>
             <a:picLocks noChangeAspect="1" noChangeArrowheads="1"/>
           </p:cNvPicPr>
@@ -3375,11 +3375,158 @@
           </a:extLst>
         </p:spPr>
       </p:pic>
+      <p:pic>
+        <p:nvPicPr>
+          <p:cNvPr id="483331" name="Picture 3" descr="470-2"/>
+          <p:cNvPicPr>
+            <a:picLocks noChangeAspect="1" noChangeArrowheads="1"/>
+          </p:cNvPicPr>
+          <p:nvPr/>
+        </p:nvPicPr>
+        <p:blipFill>
+          <a:blip r:embed="rId3">
+            <a:extLst>
+              <a:ext uri="{28A0092B-C50C-407E-A947-70E740481C1C}">
+                <a14:useLocalDpi xmlns:a14="http://schemas.microsoft.com/office/drawing/2010/main" val="0"/>
+              </a:ext>
+            </a:extLst>
+          </a:blip>
+          <a:srcRect/>
+          <a:stretch>
+            <a:fillRect/>
+          </a:stretch>
+        </p:blipFill>
+        <p:spPr bwMode="auto">
+          <a:xfrm>
+            <a:off x="1524000" y="0"/>
+            <a:ext cx="9144000" cy="6858000"/>
+          </a:xfrm>
+          <a:prstGeom prst="rect">
+            <a:avLst/>
+          </a:prstGeom>
+          <a:noFill/>
+          <a:ln>
+            <a:noFill/>
+          </a:ln>
+          <a:effectLst/>
+          <a:extLst>
+            <a:ext uri="{909E8E84-426E-40DD-AFC4-6F175D3DCCD1}">
+              <a14:hiddenFill xmlns:a14="http://schemas.microsoft.com/office/drawing/2010/main">
+                <a:solidFill>
+                  <a:srgbClr val="FFFFFF"/>
+                </a:solidFill>
+              </a14:hiddenFill>
+            </a:ext>
+            <a:ext uri="{91240B29-F687-4F45-9708-019B960494DF}">
+              <a14:hiddenLine xmlns:a14="http://schemas.microsoft.com/office/drawing/2010/main" w="9525">
+                <a:solidFill>
+                  <a:srgbClr val="000000"/>
+                </a:solidFill>
+                <a:miter lim="800000"/>
+                <a:headEnd/>
+                <a:tailEnd/>
+              </a14:hiddenLine>
+            </a:ext>
+            <a:ext uri="{AF507438-7753-43E0-B8FC-AC1667EBCBE1}">
+              <a14:hiddenEffects xmlns:a14="http://schemas.microsoft.com/office/drawing/2010/main">
+                <a:effectLst>
+                  <a:outerShdw dist="35921" dir="2700000" algn="ctr" rotWithShape="0">
+                    <a:srgbClr val="808080"/>
+                  </a:outerShdw>
+                </a:effectLst>
+              </a14:hiddenEffects>
+            </a:ext>
+          </a:extLst>
+        </p:spPr>
+      </p:pic>
     </p:spTree>
   </p:cSld>
   <p:clrMapOvr>
     <a:masterClrMapping/>
   </p:clrMapOvr>
+  <p:timing>
+    <p:tnLst>
+      <p:par>
+        <p:cTn id="1" dur="indefinite" restart="never" nodeType="tmRoot">
+          <p:childTnLst>
+            <p:seq concurrent="1" nextAc="seek">
+              <p:cTn id="2" dur="indefinite" nodeType="mainSeq">
+                <p:childTnLst>
+                  <p:par>
+                    <p:cTn id="3" fill="hold" nodeType="clickPar">
+                      <p:stCondLst>
+                        <p:cond delay="indefinite"/>
+                      </p:stCondLst>
+                      <p:childTnLst>
+                        <p:par>
+                          <p:cTn id="4" fill="hold" nodeType="withGroup">
+                            <p:stCondLst>
+                              <p:cond delay="0"/>
+                            </p:stCondLst>
+                            <p:childTnLst>
+                              <p:par>
+                                <p:cTn id="5" presetID="10" presetClass="entr" presetSubtype="0" fill="hold" nodeType="clickEffect">
+                                  <p:stCondLst>
+                                    <p:cond delay="0"/>
+                                  </p:stCondLst>
+                                  <p:childTnLst>
+                                    <p:set>
+                                      <p:cBhvr>
+                                        <p:cTn id="6" dur="1" fill="hold">
+                                          <p:stCondLst>
+                                            <p:cond delay="0"/>
+                                          </p:stCondLst>
+                                        </p:cTn>
+                                        <p:tgtEl>
+                                          <p:spTgt spid="483331"/>
+                                        </p:tgtEl>
+                                        <p:attrNameLst>
+                                          <p:attrName>style.visibility</p:attrName>
+                                        </p:attrNameLst>
+                                      </p:cBhvr>
+                                      <p:to>
+                                        <p:strVal val="visible"/>
+                                      </p:to>
+                                    </p:set>
+                                    <p:animEffect transition="in" filter="fade">
+                                      <p:cBhvr>
+                                        <p:cTn id="7" dur="500"/>
+                                        <p:tgtEl>
+                                          <p:spTgt spid="483331"/>
+                                        </p:tgtEl>
+                                      </p:cBhvr>
+                                    </p:animEffect>
+                                  </p:childTnLst>
+                                </p:cTn>
+                              </p:par>
+                            </p:childTnLst>
+                          </p:cTn>
+                        </p:par>
+                      </p:childTnLst>
+                    </p:cTn>
+                  </p:par>
+                </p:childTnLst>
+              </p:cTn>
+              <p:prevCondLst>
+                <p:cond evt="onPrev" delay="0">
+                  <p:tgtEl>
+                    <p:sldTgt/>
+                  </p:tgtEl>
+                </p:cond>
+              </p:prevCondLst>
+              <p:nextCondLst>
+                <p:cond evt="onNext" delay="0">
+                  <p:tgtEl>
+                    <p:sldTgt/>
+                  </p:tgtEl>
+                </p:cond>
+              </p:nextCondLst>
+            </p:seq>
+          </p:childTnLst>
+        </p:cTn>
+      </p:par>
+    </p:tnLst>
+  </p:timing>
 </p:sld>
 </file>
 
